--- a/presentations/day 2/15-45--17-00_reading cleaning/read-data.pptx
+++ b/presentations/day 2/15-45--17-00_reading cleaning/read-data.pptx
@@ -5,7 +5,7 @@
     <p:sldMasterId id="2147483648" r:id="rId1"/>
   </p:sldMasterIdLst>
   <p:notesMasterIdLst>
-    <p:notesMasterId r:id="rId25"/>
+    <p:notesMasterId r:id="rId23"/>
   </p:notesMasterIdLst>
   <p:sldIdLst>
     <p:sldId id="256" r:id="rId2"/>
@@ -17,20 +17,18 @@
     <p:sldId id="277" r:id="rId8"/>
     <p:sldId id="278" r:id="rId9"/>
     <p:sldId id="275" r:id="rId10"/>
-    <p:sldId id="279" r:id="rId11"/>
-    <p:sldId id="280" r:id="rId12"/>
-    <p:sldId id="281" r:id="rId13"/>
-    <p:sldId id="282" r:id="rId14"/>
-    <p:sldId id="283" r:id="rId15"/>
-    <p:sldId id="284" r:id="rId16"/>
-    <p:sldId id="314" r:id="rId17"/>
-    <p:sldId id="259" r:id="rId18"/>
-    <p:sldId id="260" r:id="rId19"/>
-    <p:sldId id="261" r:id="rId20"/>
-    <p:sldId id="262" r:id="rId21"/>
-    <p:sldId id="264" r:id="rId22"/>
-    <p:sldId id="316" r:id="rId23"/>
-    <p:sldId id="317" r:id="rId24"/>
+    <p:sldId id="280" r:id="rId11"/>
+    <p:sldId id="281" r:id="rId12"/>
+    <p:sldId id="283" r:id="rId13"/>
+    <p:sldId id="284" r:id="rId14"/>
+    <p:sldId id="314" r:id="rId15"/>
+    <p:sldId id="259" r:id="rId16"/>
+    <p:sldId id="260" r:id="rId17"/>
+    <p:sldId id="261" r:id="rId18"/>
+    <p:sldId id="262" r:id="rId19"/>
+    <p:sldId id="264" r:id="rId20"/>
+    <p:sldId id="316" r:id="rId21"/>
+    <p:sldId id="317" r:id="rId22"/>
   </p:sldIdLst>
   <p:sldSz cx="12192000" cy="6858000"/>
   <p:notesSz cx="6858000" cy="9144000"/>
@@ -219,7 +217,7 @@
           <a:p>
             <a:fld id="{90D54E81-5799-428E-9BAD-0C2043ABE2F7}" type="datetimeFigureOut">
               <a:rPr lang="en-GB" smtClean="0"/>
-              <a:t>12/09/2019</a:t>
+              <a:t>17/09/2019</a:t>
             </a:fld>
             <a:endParaRPr lang="en-GB"/>
           </a:p>
@@ -929,7 +927,7 @@
           <a:p>
             <a:fld id="{508F56A3-66FC-48D4-BE87-48BF392DB428}" type="datetimeFigureOut">
               <a:rPr lang="en-GB" smtClean="0"/>
-              <a:t>12/09/2019</a:t>
+              <a:t>17/09/2019</a:t>
             </a:fld>
             <a:endParaRPr lang="en-GB"/>
           </a:p>
@@ -1129,7 +1127,7 @@
           <a:p>
             <a:fld id="{508F56A3-66FC-48D4-BE87-48BF392DB428}" type="datetimeFigureOut">
               <a:rPr lang="en-GB" smtClean="0"/>
-              <a:t>12/09/2019</a:t>
+              <a:t>17/09/2019</a:t>
             </a:fld>
             <a:endParaRPr lang="en-GB"/>
           </a:p>
@@ -1339,7 +1337,7 @@
           <a:p>
             <a:fld id="{508F56A3-66FC-48D4-BE87-48BF392DB428}" type="datetimeFigureOut">
               <a:rPr lang="en-GB" smtClean="0"/>
-              <a:t>12/09/2019</a:t>
+              <a:t>17/09/2019</a:t>
             </a:fld>
             <a:endParaRPr lang="en-GB"/>
           </a:p>
@@ -1539,7 +1537,7 @@
           <a:p>
             <a:fld id="{508F56A3-66FC-48D4-BE87-48BF392DB428}" type="datetimeFigureOut">
               <a:rPr lang="en-GB" smtClean="0"/>
-              <a:t>12/09/2019</a:t>
+              <a:t>17/09/2019</a:t>
             </a:fld>
             <a:endParaRPr lang="en-GB"/>
           </a:p>
@@ -1815,7 +1813,7 @@
           <a:p>
             <a:fld id="{508F56A3-66FC-48D4-BE87-48BF392DB428}" type="datetimeFigureOut">
               <a:rPr lang="en-GB" smtClean="0"/>
-              <a:t>12/09/2019</a:t>
+              <a:t>17/09/2019</a:t>
             </a:fld>
             <a:endParaRPr lang="en-GB"/>
           </a:p>
@@ -2083,7 +2081,7 @@
           <a:p>
             <a:fld id="{508F56A3-66FC-48D4-BE87-48BF392DB428}" type="datetimeFigureOut">
               <a:rPr lang="en-GB" smtClean="0"/>
-              <a:t>12/09/2019</a:t>
+              <a:t>17/09/2019</a:t>
             </a:fld>
             <a:endParaRPr lang="en-GB"/>
           </a:p>
@@ -2498,7 +2496,7 @@
           <a:p>
             <a:fld id="{508F56A3-66FC-48D4-BE87-48BF392DB428}" type="datetimeFigureOut">
               <a:rPr lang="en-GB" smtClean="0"/>
-              <a:t>12/09/2019</a:t>
+              <a:t>17/09/2019</a:t>
             </a:fld>
             <a:endParaRPr lang="en-GB"/>
           </a:p>
@@ -2640,7 +2638,7 @@
           <a:p>
             <a:fld id="{508F56A3-66FC-48D4-BE87-48BF392DB428}" type="datetimeFigureOut">
               <a:rPr lang="en-GB" smtClean="0"/>
-              <a:t>12/09/2019</a:t>
+              <a:t>17/09/2019</a:t>
             </a:fld>
             <a:endParaRPr lang="en-GB"/>
           </a:p>
@@ -2753,7 +2751,7 @@
           <a:p>
             <a:fld id="{508F56A3-66FC-48D4-BE87-48BF392DB428}" type="datetimeFigureOut">
               <a:rPr lang="en-GB" smtClean="0"/>
-              <a:t>12/09/2019</a:t>
+              <a:t>17/09/2019</a:t>
             </a:fld>
             <a:endParaRPr lang="en-GB"/>
           </a:p>
@@ -3066,7 +3064,7 @@
           <a:p>
             <a:fld id="{508F56A3-66FC-48D4-BE87-48BF392DB428}" type="datetimeFigureOut">
               <a:rPr lang="en-GB" smtClean="0"/>
-              <a:t>12/09/2019</a:t>
+              <a:t>17/09/2019</a:t>
             </a:fld>
             <a:endParaRPr lang="en-GB"/>
           </a:p>
@@ -3355,7 +3353,7 @@
           <a:p>
             <a:fld id="{508F56A3-66FC-48D4-BE87-48BF392DB428}" type="datetimeFigureOut">
               <a:rPr lang="en-GB" smtClean="0"/>
-              <a:t>12/09/2019</a:t>
+              <a:t>17/09/2019</a:t>
             </a:fld>
             <a:endParaRPr lang="en-GB"/>
           </a:p>
@@ -3598,7 +3596,7 @@
           <a:p>
             <a:fld id="{508F56A3-66FC-48D4-BE87-48BF392DB428}" type="datetimeFigureOut">
               <a:rPr lang="en-GB" smtClean="0"/>
-              <a:t>12/09/2019</a:t>
+              <a:t>17/09/2019</a:t>
             </a:fld>
             <a:endParaRPr lang="en-GB"/>
           </a:p>
@@ -4114,171 +4112,6 @@
           <p:cNvPr id="2" name="Title 1">
             <a:extLst>
               <a:ext uri="{FF2B5EF4-FFF2-40B4-BE49-F238E27FC236}">
-                <a16:creationId xmlns:a16="http://schemas.microsoft.com/office/drawing/2014/main" id="{6A5FAA36-E68C-4FF9-B7D6-07D892EEC959}"/>
-              </a:ext>
-            </a:extLst>
-          </p:cNvPr>
-          <p:cNvSpPr>
-            <a:spLocks noGrp="1"/>
-          </p:cNvSpPr>
-          <p:nvPr>
-            <p:ph type="title"/>
-          </p:nvPr>
-        </p:nvSpPr>
-        <p:spPr/>
-        <p:txBody>
-          <a:bodyPr/>
-          <a:lstStyle/>
-          <a:p>
-            <a:r>
-              <a:rPr lang="en-GB" dirty="0"/>
-              <a:t>Example</a:t>
-            </a:r>
-          </a:p>
-        </p:txBody>
-      </p:sp>
-      <p:sp>
-        <p:nvSpPr>
-          <p:cNvPr id="3" name="Content Placeholder 2">
-            <a:extLst>
-              <a:ext uri="{FF2B5EF4-FFF2-40B4-BE49-F238E27FC236}">
-                <a16:creationId xmlns:a16="http://schemas.microsoft.com/office/drawing/2014/main" id="{EAFBA848-2E88-461D-B2ED-152522596340}"/>
-              </a:ext>
-            </a:extLst>
-          </p:cNvPr>
-          <p:cNvSpPr>
-            <a:spLocks noGrp="1"/>
-          </p:cNvSpPr>
-          <p:nvPr>
-            <p:ph idx="1"/>
-          </p:nvPr>
-        </p:nvSpPr>
-        <p:spPr>
-          <a:xfrm>
-            <a:off x="838200" y="1376737"/>
-            <a:ext cx="10515600" cy="4351338"/>
-          </a:xfrm>
-        </p:spPr>
-        <p:txBody>
-          <a:bodyPr/>
-          <a:lstStyle/>
-          <a:p>
-            <a:r>
-              <a:rPr lang="en-GB" dirty="0"/>
-              <a:t>import form data.gov (paste </a:t>
-            </a:r>
-            <a:r>
-              <a:rPr lang="en-GB" dirty="0">
-                <a:hlinkClick r:id="rId2"/>
-              </a:rPr>
-              <a:t>https://data.montgomerycountymd.gov/api/views/2qd6-mr43/rows.csv?accessType=DOWNLOAD</a:t>
-            </a:r>
-            <a:endParaRPr lang="en-GB" dirty="0"/>
-          </a:p>
-        </p:txBody>
-      </p:sp>
-      <p:pic>
-        <p:nvPicPr>
-          <p:cNvPr id="4" name="Picture 3">
-            <a:extLst>
-              <a:ext uri="{FF2B5EF4-FFF2-40B4-BE49-F238E27FC236}">
-                <a16:creationId xmlns:a16="http://schemas.microsoft.com/office/drawing/2014/main" id="{29634899-7EC1-4C99-95EA-777DF7D62FFF}"/>
-              </a:ext>
-            </a:extLst>
-          </p:cNvPr>
-          <p:cNvPicPr>
-            <a:picLocks noChangeAspect="1"/>
-          </p:cNvPicPr>
-          <p:nvPr/>
-        </p:nvPicPr>
-        <p:blipFill>
-          <a:blip r:embed="rId3"/>
-          <a:stretch>
-            <a:fillRect/>
-          </a:stretch>
-        </p:blipFill>
-        <p:spPr>
-          <a:xfrm>
-            <a:off x="3632488" y="2506663"/>
-            <a:ext cx="7867824" cy="4351337"/>
-          </a:xfrm>
-          <a:prstGeom prst="rect">
-            <a:avLst/>
-          </a:prstGeom>
-        </p:spPr>
-      </p:pic>
-      <p:sp>
-        <p:nvSpPr>
-          <p:cNvPr id="5" name="Rectangle 4">
-            <a:extLst>
-              <a:ext uri="{FF2B5EF4-FFF2-40B4-BE49-F238E27FC236}">
-                <a16:creationId xmlns:a16="http://schemas.microsoft.com/office/drawing/2014/main" id="{28C297F4-8D41-4947-A091-24ADC9718CE6}"/>
-              </a:ext>
-            </a:extLst>
-          </p:cNvPr>
-          <p:cNvSpPr/>
-          <p:nvPr/>
-        </p:nvSpPr>
-        <p:spPr>
-          <a:xfrm>
-            <a:off x="6605847" y="165443"/>
-            <a:ext cx="6096000" cy="646331"/>
-          </a:xfrm>
-          <a:prstGeom prst="rect">
-            <a:avLst/>
-          </a:prstGeom>
-        </p:spPr>
-        <p:txBody>
-          <a:bodyPr>
-            <a:spAutoFit/>
-          </a:bodyPr>
-          <a:lstStyle/>
-          <a:p>
-            <a:r>
-              <a:rPr lang="en-GB" dirty="0">
-                <a:hlinkClick r:id="rId4"/>
-              </a:rPr>
-              <a:t>https://support.rstudio.com/hc/en-us/articles/218611977-Importing-Data-with-RStudio</a:t>
-            </a:r>
-            <a:endParaRPr lang="en-GB" dirty="0"/>
-          </a:p>
-        </p:txBody>
-      </p:sp>
-    </p:spTree>
-    <p:extLst>
-      <p:ext uri="{BB962C8B-B14F-4D97-AF65-F5344CB8AC3E}">
-        <p14:creationId xmlns:p14="http://schemas.microsoft.com/office/powerpoint/2010/main" val="1712601917"/>
-      </p:ext>
-    </p:extLst>
-  </p:cSld>
-  <p:clrMapOvr>
-    <a:masterClrMapping/>
-  </p:clrMapOvr>
-</p:sld>
-</file>
-
-<file path=ppt/slides/slide11.xml><?xml version="1.0" encoding="utf-8"?>
-<p:sld xmlns:a="http://schemas.openxmlformats.org/drawingml/2006/main" xmlns:r="http://schemas.openxmlformats.org/officeDocument/2006/relationships" xmlns:p="http://schemas.openxmlformats.org/presentationml/2006/main">
-  <p:cSld>
-    <p:spTree>
-      <p:nvGrpSpPr>
-        <p:cNvPr id="1" name=""/>
-        <p:cNvGrpSpPr/>
-        <p:nvPr/>
-      </p:nvGrpSpPr>
-      <p:grpSpPr>
-        <a:xfrm>
-          <a:off x="0" y="0"/>
-          <a:ext cx="0" cy="0"/>
-          <a:chOff x="0" y="0"/>
-          <a:chExt cx="0" cy="0"/>
-        </a:xfrm>
-      </p:grpSpPr>
-      <p:sp>
-        <p:nvSpPr>
-          <p:cNvPr id="2" name="Title 1">
-            <a:extLst>
-              <a:ext uri="{FF2B5EF4-FFF2-40B4-BE49-F238E27FC236}">
                 <a16:creationId xmlns:a16="http://schemas.microsoft.com/office/drawing/2014/main" id="{21FB1E63-CDBB-47D7-A42B-ECACF075400C}"/>
               </a:ext>
             </a:extLst>
@@ -4370,7 +4203,7 @@
 </p:sld>
 </file>
 
-<file path=ppt/slides/slide12.xml><?xml version="1.0" encoding="utf-8"?>
+<file path=ppt/slides/slide11.xml><?xml version="1.0" encoding="utf-8"?>
 <p:sld xmlns:a="http://schemas.openxmlformats.org/drawingml/2006/main" xmlns:r="http://schemas.openxmlformats.org/officeDocument/2006/relationships" xmlns:p="http://schemas.openxmlformats.org/presentationml/2006/main">
   <p:cSld>
     <p:spTree>
@@ -4516,124 +4349,7 @@
 </p:sld>
 </file>
 
-<file path=ppt/slides/slide13.xml><?xml version="1.0" encoding="utf-8"?>
-<p:sld xmlns:a="http://schemas.openxmlformats.org/drawingml/2006/main" xmlns:r="http://schemas.openxmlformats.org/officeDocument/2006/relationships" xmlns:p="http://schemas.openxmlformats.org/presentationml/2006/main">
-  <p:cSld>
-    <p:spTree>
-      <p:nvGrpSpPr>
-        <p:cNvPr id="1" name=""/>
-        <p:cNvGrpSpPr/>
-        <p:nvPr/>
-      </p:nvGrpSpPr>
-      <p:grpSpPr>
-        <a:xfrm>
-          <a:off x="0" y="0"/>
-          <a:ext cx="0" cy="0"/>
-          <a:chOff x="0" y="0"/>
-          <a:chExt cx="0" cy="0"/>
-        </a:xfrm>
-      </p:grpSpPr>
-      <p:sp>
-        <p:nvSpPr>
-          <p:cNvPr id="2" name="Title 1">
-            <a:extLst>
-              <a:ext uri="{FF2B5EF4-FFF2-40B4-BE49-F238E27FC236}">
-                <a16:creationId xmlns:a16="http://schemas.microsoft.com/office/drawing/2014/main" id="{F34CD4FD-F566-4EF9-818E-D56814F4537A}"/>
-              </a:ext>
-            </a:extLst>
-          </p:cNvPr>
-          <p:cNvSpPr>
-            <a:spLocks noGrp="1"/>
-          </p:cNvSpPr>
-          <p:nvPr>
-            <p:ph type="title"/>
-          </p:nvPr>
-        </p:nvSpPr>
-        <p:spPr/>
-        <p:txBody>
-          <a:bodyPr/>
-          <a:lstStyle/>
-          <a:p>
-            <a:r>
-              <a:rPr lang="en-GB" dirty="0"/>
-              <a:t>Example</a:t>
-            </a:r>
-          </a:p>
-        </p:txBody>
-      </p:sp>
-      <p:sp>
-        <p:nvSpPr>
-          <p:cNvPr id="3" name="Content Placeholder 2">
-            <a:extLst>
-              <a:ext uri="{FF2B5EF4-FFF2-40B4-BE49-F238E27FC236}">
-                <a16:creationId xmlns:a16="http://schemas.microsoft.com/office/drawing/2014/main" id="{F2F0CF5D-0483-4765-A8E5-6A60A5D9975A}"/>
-              </a:ext>
-            </a:extLst>
-          </p:cNvPr>
-          <p:cNvSpPr>
-            <a:spLocks noGrp="1"/>
-          </p:cNvSpPr>
-          <p:nvPr>
-            <p:ph idx="1"/>
-          </p:nvPr>
-        </p:nvSpPr>
-        <p:spPr/>
-        <p:txBody>
-          <a:bodyPr/>
-          <a:lstStyle/>
-          <a:p>
-            <a:r>
-              <a:rPr lang="en-GB" dirty="0"/>
-              <a:t>For example, one can import with ease an </a:t>
-            </a:r>
-            <a:r>
-              <a:rPr lang="en-GB" dirty="0" err="1"/>
-              <a:t>xls</a:t>
-            </a:r>
-            <a:r>
-              <a:rPr lang="en-GB" dirty="0"/>
-              <a:t> file from data.gov by pasting this </a:t>
-            </a:r>
-            <a:r>
-              <a:rPr lang="en-GB" dirty="0" err="1"/>
-              <a:t>url</a:t>
-            </a:r>
-            <a:endParaRPr lang="en-GB" dirty="0"/>
-          </a:p>
-          <a:p>
-            <a:pPr marL="0" indent="0">
-              <a:buNone/>
-            </a:pPr>
-            <a:r>
-              <a:rPr lang="en-GB" dirty="0">
-                <a:hlinkClick r:id="rId2"/>
-              </a:rPr>
-              <a:t>http://www.fns.usda.gov/sites/default/files/pd/slsummar.xls</a:t>
-            </a:r>
-            <a:endParaRPr lang="en-GB" dirty="0"/>
-          </a:p>
-          <a:p>
-            <a:r>
-              <a:rPr lang="en-GB" dirty="0"/>
-              <a:t>selecting "Update".</a:t>
-            </a:r>
-          </a:p>
-        </p:txBody>
-      </p:sp>
-    </p:spTree>
-    <p:extLst>
-      <p:ext uri="{BB962C8B-B14F-4D97-AF65-F5344CB8AC3E}">
-        <p14:creationId xmlns:p14="http://schemas.microsoft.com/office/powerpoint/2010/main" val="3941906562"/>
-      </p:ext>
-    </p:extLst>
-  </p:cSld>
-  <p:clrMapOvr>
-    <a:masterClrMapping/>
-  </p:clrMapOvr>
-</p:sld>
-</file>
-
-<file path=ppt/slides/slide14.xml><?xml version="1.0" encoding="utf-8"?>
+<file path=ppt/slides/slide12.xml><?xml version="1.0" encoding="utf-8"?>
 <p:sld xmlns:a="http://schemas.openxmlformats.org/drawingml/2006/main" xmlns:r="http://schemas.openxmlformats.org/officeDocument/2006/relationships" xmlns:p="http://schemas.openxmlformats.org/presentationml/2006/main">
   <p:cSld>
     <p:spTree>
@@ -4743,6 +4459,331 @@
 </p:sld>
 </file>
 
+<file path=ppt/slides/slide13.xml><?xml version="1.0" encoding="utf-8"?>
+<p:sld xmlns:a="http://schemas.openxmlformats.org/drawingml/2006/main" xmlns:r="http://schemas.openxmlformats.org/officeDocument/2006/relationships" xmlns:p="http://schemas.openxmlformats.org/presentationml/2006/main">
+  <p:cSld>
+    <p:spTree>
+      <p:nvGrpSpPr>
+        <p:cNvPr id="1" name=""/>
+        <p:cNvGrpSpPr/>
+        <p:nvPr/>
+      </p:nvGrpSpPr>
+      <p:grpSpPr>
+        <a:xfrm>
+          <a:off x="0" y="0"/>
+          <a:ext cx="0" cy="0"/>
+          <a:chOff x="0" y="0"/>
+          <a:chExt cx="0" cy="0"/>
+        </a:xfrm>
+      </p:grpSpPr>
+      <p:sp>
+        <p:nvSpPr>
+          <p:cNvPr id="2" name="Title 1">
+            <a:extLst>
+              <a:ext uri="{FF2B5EF4-FFF2-40B4-BE49-F238E27FC236}">
+                <a16:creationId xmlns:a16="http://schemas.microsoft.com/office/drawing/2014/main" id="{F783CCB9-7411-4227-B083-1A09DC837F11}"/>
+              </a:ext>
+            </a:extLst>
+          </p:cNvPr>
+          <p:cNvSpPr>
+            <a:spLocks noGrp="1"/>
+          </p:cNvSpPr>
+          <p:nvPr>
+            <p:ph type="title"/>
+          </p:nvPr>
+        </p:nvSpPr>
+        <p:spPr/>
+        <p:txBody>
+          <a:bodyPr/>
+          <a:lstStyle/>
+          <a:p>
+            <a:endParaRPr lang="en-GB"/>
+          </a:p>
+        </p:txBody>
+      </p:sp>
+      <p:sp>
+        <p:nvSpPr>
+          <p:cNvPr id="3" name="Content Placeholder 2">
+            <a:extLst>
+              <a:ext uri="{FF2B5EF4-FFF2-40B4-BE49-F238E27FC236}">
+                <a16:creationId xmlns:a16="http://schemas.microsoft.com/office/drawing/2014/main" id="{DEDC041A-EA3D-4323-9D2E-471AFBEBC7A4}"/>
+              </a:ext>
+            </a:extLst>
+          </p:cNvPr>
+          <p:cNvSpPr>
+            <a:spLocks noGrp="1"/>
+          </p:cNvSpPr>
+          <p:nvPr>
+            <p:ph idx="1"/>
+          </p:nvPr>
+        </p:nvSpPr>
+        <p:spPr/>
+        <p:txBody>
+          <a:bodyPr/>
+          <a:lstStyle/>
+          <a:p>
+            <a:r>
+              <a:rPr lang="en-GB" dirty="0"/>
+              <a:t>We can clean this up by</a:t>
+            </a:r>
+          </a:p>
+          <a:p>
+            <a:pPr lvl="1"/>
+            <a:r>
+              <a:rPr lang="en-GB" dirty="0"/>
+              <a:t>skipping 6 rows from this file</a:t>
+            </a:r>
+          </a:p>
+          <a:p>
+            <a:pPr lvl="1"/>
+            <a:r>
+              <a:rPr lang="en-GB" dirty="0"/>
+              <a:t>unchecking the "First Row as Names" checkbox.</a:t>
+            </a:r>
+          </a:p>
+          <a:p>
+            <a:r>
+              <a:rPr lang="en-GB" dirty="0"/>
+              <a:t>The file is looking better but some columns are being displayed as strings when they are clearly numerical data.</a:t>
+            </a:r>
+          </a:p>
+          <a:p>
+            <a:r>
+              <a:rPr lang="en-GB" dirty="0"/>
+              <a:t>We can fix this by selecting "numeric" from the column dropdown.</a:t>
+            </a:r>
+          </a:p>
+          <a:p>
+            <a:r>
+              <a:rPr lang="en-GB" dirty="0"/>
+              <a:t>The final step is to click "Import" to run the code under "Code Preview" and import the data into RStudio, the final result should look as follows:</a:t>
+            </a:r>
+          </a:p>
+          <a:p>
+            <a:endParaRPr lang="en-GB" dirty="0"/>
+          </a:p>
+        </p:txBody>
+      </p:sp>
+    </p:spTree>
+    <p:extLst>
+      <p:ext uri="{BB962C8B-B14F-4D97-AF65-F5344CB8AC3E}">
+        <p14:creationId xmlns:p14="http://schemas.microsoft.com/office/powerpoint/2010/main" val="3191837949"/>
+      </p:ext>
+    </p:extLst>
+  </p:cSld>
+  <p:clrMapOvr>
+    <a:masterClrMapping/>
+  </p:clrMapOvr>
+</p:sld>
+</file>
+
+<file path=ppt/slides/slide14.xml><?xml version="1.0" encoding="utf-8"?>
+<p:sld xmlns:a="http://schemas.openxmlformats.org/drawingml/2006/main" xmlns:r="http://schemas.openxmlformats.org/officeDocument/2006/relationships" xmlns:p="http://schemas.openxmlformats.org/presentationml/2006/main">
+  <p:cSld>
+    <p:spTree>
+      <p:nvGrpSpPr>
+        <p:cNvPr id="1" name=""/>
+        <p:cNvGrpSpPr/>
+        <p:nvPr/>
+      </p:nvGrpSpPr>
+      <p:grpSpPr>
+        <a:xfrm>
+          <a:off x="0" y="0"/>
+          <a:ext cx="0" cy="0"/>
+          <a:chOff x="0" y="0"/>
+          <a:chExt cx="0" cy="0"/>
+        </a:xfrm>
+      </p:grpSpPr>
+      <p:sp>
+        <p:nvSpPr>
+          <p:cNvPr id="2" name="Title 1">
+            <a:extLst>
+              <a:ext uri="{FF2B5EF4-FFF2-40B4-BE49-F238E27FC236}">
+                <a16:creationId xmlns:a16="http://schemas.microsoft.com/office/drawing/2014/main" id="{0F37A50C-64FF-4FE7-AF56-0570515F2363}"/>
+              </a:ext>
+            </a:extLst>
+          </p:cNvPr>
+          <p:cNvSpPr>
+            <a:spLocks noGrp="1"/>
+          </p:cNvSpPr>
+          <p:nvPr>
+            <p:ph type="title"/>
+          </p:nvPr>
+        </p:nvSpPr>
+        <p:spPr/>
+        <p:txBody>
+          <a:bodyPr/>
+          <a:lstStyle/>
+          <a:p>
+            <a:r>
+              <a:rPr lang="en-GB" dirty="0"/>
+              <a:t>.</a:t>
+            </a:r>
+            <a:r>
+              <a:rPr lang="en-GB" dirty="0" err="1"/>
+              <a:t>RData</a:t>
+            </a:r>
+            <a:r>
+              <a:rPr lang="en-GB" dirty="0"/>
+              <a:t>, .</a:t>
+            </a:r>
+            <a:r>
+              <a:rPr lang="en-GB" dirty="0" err="1"/>
+              <a:t>Rda</a:t>
+            </a:r>
+            <a:r>
+              <a:rPr lang="en-GB" dirty="0"/>
+              <a:t>, .</a:t>
+            </a:r>
+            <a:r>
+              <a:rPr lang="en-GB" dirty="0" err="1"/>
+              <a:t>Rds</a:t>
+            </a:r>
+            <a:endParaRPr lang="en-GB" dirty="0"/>
+          </a:p>
+        </p:txBody>
+      </p:sp>
+      <p:sp>
+        <p:nvSpPr>
+          <p:cNvPr id="3" name="Content Placeholder 2">
+            <a:extLst>
+              <a:ext uri="{FF2B5EF4-FFF2-40B4-BE49-F238E27FC236}">
+                <a16:creationId xmlns:a16="http://schemas.microsoft.com/office/drawing/2014/main" id="{6A32B63F-7C1D-424E-88CF-3A872C62BF77}"/>
+              </a:ext>
+            </a:extLst>
+          </p:cNvPr>
+          <p:cNvSpPr>
+            <a:spLocks noGrp="1"/>
+          </p:cNvSpPr>
+          <p:nvPr>
+            <p:ph idx="1"/>
+          </p:nvPr>
+        </p:nvSpPr>
+        <p:spPr/>
+        <p:txBody>
+          <a:bodyPr/>
+          <a:lstStyle/>
+          <a:p>
+            <a:r>
+              <a:rPr lang="en-GB" dirty="0"/>
+              <a:t>Store R objects with properties</a:t>
+            </a:r>
+          </a:p>
+          <a:p>
+            <a:r>
+              <a:rPr lang="en-GB" dirty="0"/>
+              <a:t>.</a:t>
+            </a:r>
+            <a:r>
+              <a:rPr lang="en-GB" dirty="0" err="1"/>
+              <a:t>Rda</a:t>
+            </a:r>
+            <a:r>
+              <a:rPr lang="en-GB" dirty="0"/>
+              <a:t> is just a short name for .</a:t>
+            </a:r>
+            <a:r>
+              <a:rPr lang="en-GB" dirty="0" err="1"/>
+              <a:t>Rdata</a:t>
+            </a:r>
+            <a:endParaRPr lang="en-GB" dirty="0"/>
+          </a:p>
+          <a:p>
+            <a:pPr lvl="1"/>
+            <a:r>
+              <a:rPr lang="en-GB" sz="2000" dirty="0">
+                <a:solidFill>
+                  <a:srgbClr val="0070C0"/>
+                </a:solidFill>
+                <a:latin typeface="Courier New" panose="02070309020205020404" pitchFamily="49" charset="0"/>
+                <a:cs typeface="Courier New" panose="02070309020205020404" pitchFamily="49" charset="0"/>
+              </a:rPr>
+              <a:t>save(), load(), attach()</a:t>
+            </a:r>
+            <a:r>
+              <a:rPr lang="en-GB" dirty="0"/>
+              <a:t>,…</a:t>
+            </a:r>
+          </a:p>
+          <a:p>
+            <a:r>
+              <a:rPr lang="en-GB" dirty="0"/>
+              <a:t>.</a:t>
+            </a:r>
+            <a:r>
+              <a:rPr lang="en-GB" dirty="0" err="1"/>
+              <a:t>Rds</a:t>
+            </a:r>
+            <a:r>
+              <a:rPr lang="en-GB" dirty="0"/>
+              <a:t> use to restore R object with different name</a:t>
+            </a:r>
+          </a:p>
+          <a:p>
+            <a:pPr lvl="1"/>
+            <a:r>
+              <a:rPr lang="en-GB" sz="2000" dirty="0" err="1">
+                <a:solidFill>
+                  <a:srgbClr val="0070C0"/>
+                </a:solidFill>
+                <a:latin typeface="Courier New" panose="02070309020205020404" pitchFamily="49" charset="0"/>
+                <a:cs typeface="Courier New" panose="02070309020205020404" pitchFamily="49" charset="0"/>
+              </a:rPr>
+              <a:t>readRDS</a:t>
+            </a:r>
+            <a:r>
+              <a:rPr lang="en-GB" sz="2000" dirty="0">
+                <a:solidFill>
+                  <a:srgbClr val="0070C0"/>
+                </a:solidFill>
+                <a:latin typeface="Courier New" panose="02070309020205020404" pitchFamily="49" charset="0"/>
+                <a:cs typeface="Courier New" panose="02070309020205020404" pitchFamily="49" charset="0"/>
+              </a:rPr>
+              <a:t>(), </a:t>
+            </a:r>
+            <a:r>
+              <a:rPr lang="en-GB" sz="2000" dirty="0" err="1">
+                <a:solidFill>
+                  <a:srgbClr val="0070C0"/>
+                </a:solidFill>
+                <a:latin typeface="Courier New" panose="02070309020205020404" pitchFamily="49" charset="0"/>
+                <a:cs typeface="Courier New" panose="02070309020205020404" pitchFamily="49" charset="0"/>
+              </a:rPr>
+              <a:t>saveRDS</a:t>
+            </a:r>
+            <a:r>
+              <a:rPr lang="en-GB" sz="2000" dirty="0">
+                <a:solidFill>
+                  <a:srgbClr val="0070C0"/>
+                </a:solidFill>
+                <a:latin typeface="Courier New" panose="02070309020205020404" pitchFamily="49" charset="0"/>
+                <a:cs typeface="Courier New" panose="02070309020205020404" pitchFamily="49" charset="0"/>
+              </a:rPr>
+              <a:t>()</a:t>
+            </a:r>
+            <a:r>
+              <a:rPr lang="en-GB" sz="2000" dirty="0">
+                <a:latin typeface="Courier New" panose="02070309020205020404" pitchFamily="49" charset="0"/>
+                <a:cs typeface="Courier New" panose="02070309020205020404" pitchFamily="49" charset="0"/>
+              </a:rPr>
+              <a:t>,…</a:t>
+            </a:r>
+          </a:p>
+        </p:txBody>
+      </p:sp>
+    </p:spTree>
+    <p:extLst>
+      <p:ext uri="{BB962C8B-B14F-4D97-AF65-F5344CB8AC3E}">
+        <p14:creationId xmlns:p14="http://schemas.microsoft.com/office/powerpoint/2010/main" val="4012081693"/>
+      </p:ext>
+    </p:extLst>
+  </p:cSld>
+  <p:clrMapOvr>
+    <a:masterClrMapping/>
+  </p:clrMapOvr>
+</p:sld>
+</file>
+
 <file path=ppt/slides/slide15.xml><?xml version="1.0" encoding="utf-8"?>
 <p:sld xmlns:a="http://schemas.openxmlformats.org/drawingml/2006/main" xmlns:r="http://schemas.openxmlformats.org/officeDocument/2006/relationships" xmlns:p="http://schemas.openxmlformats.org/presentationml/2006/main">
   <p:cSld>
@@ -4765,7 +4806,7 @@
           <p:cNvPr id="2" name="Title 1">
             <a:extLst>
               <a:ext uri="{FF2B5EF4-FFF2-40B4-BE49-F238E27FC236}">
-                <a16:creationId xmlns:a16="http://schemas.microsoft.com/office/drawing/2014/main" id="{F783CCB9-7411-4227-B083-1A09DC837F11}"/>
+                <a16:creationId xmlns:a16="http://schemas.microsoft.com/office/drawing/2014/main" id="{6A95CFA7-CDCA-4BB4-B84F-61C142A782CB}"/>
               </a:ext>
             </a:extLst>
           </p:cNvPr>
@@ -4781,7 +4822,10 @@
           <a:bodyPr/>
           <a:lstStyle/>
           <a:p>
-            <a:endParaRPr lang="en-GB"/>
+            <a:r>
+              <a:rPr lang="en-GB" dirty="0"/>
+              <a:t>Inspecting data structure</a:t>
+            </a:r>
           </a:p>
         </p:txBody>
       </p:sp>
@@ -4790,7 +4834,7 @@
           <p:cNvPr id="3" name="Content Placeholder 2">
             <a:extLst>
               <a:ext uri="{FF2B5EF4-FFF2-40B4-BE49-F238E27FC236}">
-                <a16:creationId xmlns:a16="http://schemas.microsoft.com/office/drawing/2014/main" id="{DEDC041A-EA3D-4323-9D2E-471AFBEBC7A4}"/>
+                <a16:creationId xmlns:a16="http://schemas.microsoft.com/office/drawing/2014/main" id="{5DB7EC33-FCB6-4822-B987-741C8B3C0F08}"/>
               </a:ext>
             </a:extLst>
           </p:cNvPr>
@@ -4808,50 +4852,30 @@
           <a:p>
             <a:r>
               <a:rPr lang="en-GB" dirty="0"/>
-              <a:t>We can clean this up by</a:t>
-            </a:r>
-          </a:p>
-          <a:p>
-            <a:pPr lvl="1"/>
-            <a:r>
-              <a:rPr lang="en-GB" dirty="0"/>
-              <a:t>skipping 6 rows from this file</a:t>
-            </a:r>
-          </a:p>
-          <a:p>
-            <a:pPr lvl="1"/>
-            <a:r>
-              <a:rPr lang="en-GB" dirty="0"/>
-              <a:t>unchecking the "First Row as Names" checkbox.</a:t>
-            </a:r>
-          </a:p>
-          <a:p>
-            <a:r>
-              <a:rPr lang="en-GB" dirty="0"/>
-              <a:t>The file is looking better but some columns are being displayed as strings when they are clearly numerical data.</a:t>
-            </a:r>
-          </a:p>
-          <a:p>
-            <a:r>
-              <a:rPr lang="en-GB" dirty="0"/>
-              <a:t>We can fix this by selecting "numeric" from the column dropdown.</a:t>
-            </a:r>
-          </a:p>
-          <a:p>
-            <a:r>
-              <a:rPr lang="en-GB" dirty="0"/>
-              <a:t>The final step is to click "Import" to run the code under "Code Preview" and import the data into RStudio, the final result should look as follows:</a:t>
+              <a:t>Once data is read-in there are several way to view and interrogate them</a:t>
             </a:r>
           </a:p>
           <a:p>
             <a:endParaRPr lang="en-GB" dirty="0"/>
+          </a:p>
+          <a:p>
+            <a:r>
+              <a:rPr lang="en-GB" dirty="0"/>
+              <a:t>The most simple is to type the name of the variable</a:t>
+            </a:r>
+          </a:p>
+          <a:p>
+            <a:r>
+              <a:rPr lang="en-GB" dirty="0"/>
+              <a:t>Can you see any problems with this?</a:t>
+            </a:r>
           </a:p>
         </p:txBody>
       </p:sp>
     </p:spTree>
     <p:extLst>
       <p:ext uri="{BB962C8B-B14F-4D97-AF65-F5344CB8AC3E}">
-        <p14:creationId xmlns:p14="http://schemas.microsoft.com/office/powerpoint/2010/main" val="3191837949"/>
+        <p14:creationId xmlns:p14="http://schemas.microsoft.com/office/powerpoint/2010/main" val="949852850"/>
       </p:ext>
     </p:extLst>
   </p:cSld>
@@ -4883,314 +4907,6 @@
           <p:cNvPr id="2" name="Title 1">
             <a:extLst>
               <a:ext uri="{FF2B5EF4-FFF2-40B4-BE49-F238E27FC236}">
-                <a16:creationId xmlns:a16="http://schemas.microsoft.com/office/drawing/2014/main" id="{0F37A50C-64FF-4FE7-AF56-0570515F2363}"/>
-              </a:ext>
-            </a:extLst>
-          </p:cNvPr>
-          <p:cNvSpPr>
-            <a:spLocks noGrp="1"/>
-          </p:cNvSpPr>
-          <p:nvPr>
-            <p:ph type="title"/>
-          </p:nvPr>
-        </p:nvSpPr>
-        <p:spPr/>
-        <p:txBody>
-          <a:bodyPr/>
-          <a:lstStyle/>
-          <a:p>
-            <a:r>
-              <a:rPr lang="en-GB" dirty="0"/>
-              <a:t>.</a:t>
-            </a:r>
-            <a:r>
-              <a:rPr lang="en-GB" dirty="0" err="1"/>
-              <a:t>RData</a:t>
-            </a:r>
-            <a:r>
-              <a:rPr lang="en-GB" dirty="0"/>
-              <a:t>, .</a:t>
-            </a:r>
-            <a:r>
-              <a:rPr lang="en-GB" dirty="0" err="1"/>
-              <a:t>Rda</a:t>
-            </a:r>
-            <a:r>
-              <a:rPr lang="en-GB" dirty="0"/>
-              <a:t>, .</a:t>
-            </a:r>
-            <a:r>
-              <a:rPr lang="en-GB" dirty="0" err="1"/>
-              <a:t>Rds</a:t>
-            </a:r>
-            <a:endParaRPr lang="en-GB" dirty="0"/>
-          </a:p>
-        </p:txBody>
-      </p:sp>
-      <p:sp>
-        <p:nvSpPr>
-          <p:cNvPr id="3" name="Content Placeholder 2">
-            <a:extLst>
-              <a:ext uri="{FF2B5EF4-FFF2-40B4-BE49-F238E27FC236}">
-                <a16:creationId xmlns:a16="http://schemas.microsoft.com/office/drawing/2014/main" id="{6A32B63F-7C1D-424E-88CF-3A872C62BF77}"/>
-              </a:ext>
-            </a:extLst>
-          </p:cNvPr>
-          <p:cNvSpPr>
-            <a:spLocks noGrp="1"/>
-          </p:cNvSpPr>
-          <p:nvPr>
-            <p:ph idx="1"/>
-          </p:nvPr>
-        </p:nvSpPr>
-        <p:spPr/>
-        <p:txBody>
-          <a:bodyPr/>
-          <a:lstStyle/>
-          <a:p>
-            <a:r>
-              <a:rPr lang="en-GB" dirty="0"/>
-              <a:t>Store R objects with properties</a:t>
-            </a:r>
-          </a:p>
-          <a:p>
-            <a:r>
-              <a:rPr lang="en-GB" dirty="0"/>
-              <a:t>.</a:t>
-            </a:r>
-            <a:r>
-              <a:rPr lang="en-GB" dirty="0" err="1"/>
-              <a:t>Rda</a:t>
-            </a:r>
-            <a:r>
-              <a:rPr lang="en-GB" dirty="0"/>
-              <a:t> is just a short name for .</a:t>
-            </a:r>
-            <a:r>
-              <a:rPr lang="en-GB" dirty="0" err="1"/>
-              <a:t>Rdata</a:t>
-            </a:r>
-            <a:endParaRPr lang="en-GB" dirty="0"/>
-          </a:p>
-          <a:p>
-            <a:pPr lvl="1"/>
-            <a:r>
-              <a:rPr lang="en-GB" sz="2000" dirty="0">
-                <a:solidFill>
-                  <a:srgbClr val="0070C0"/>
-                </a:solidFill>
-                <a:latin typeface="Courier New" panose="02070309020205020404" pitchFamily="49" charset="0"/>
-                <a:cs typeface="Courier New" panose="02070309020205020404" pitchFamily="49" charset="0"/>
-              </a:rPr>
-              <a:t>save(), load(), attach()</a:t>
-            </a:r>
-            <a:r>
-              <a:rPr lang="en-GB" dirty="0"/>
-              <a:t>,…</a:t>
-            </a:r>
-          </a:p>
-          <a:p>
-            <a:r>
-              <a:rPr lang="en-GB" dirty="0"/>
-              <a:t>.</a:t>
-            </a:r>
-            <a:r>
-              <a:rPr lang="en-GB" dirty="0" err="1"/>
-              <a:t>Rds</a:t>
-            </a:r>
-            <a:r>
-              <a:rPr lang="en-GB" dirty="0"/>
-              <a:t> use to restore R object with different name</a:t>
-            </a:r>
-          </a:p>
-          <a:p>
-            <a:pPr lvl="1"/>
-            <a:r>
-              <a:rPr lang="en-GB" sz="2000" dirty="0" err="1">
-                <a:solidFill>
-                  <a:srgbClr val="0070C0"/>
-                </a:solidFill>
-                <a:latin typeface="Courier New" panose="02070309020205020404" pitchFamily="49" charset="0"/>
-                <a:cs typeface="Courier New" panose="02070309020205020404" pitchFamily="49" charset="0"/>
-              </a:rPr>
-              <a:t>readRDS</a:t>
-            </a:r>
-            <a:r>
-              <a:rPr lang="en-GB" sz="2000" dirty="0">
-                <a:solidFill>
-                  <a:srgbClr val="0070C0"/>
-                </a:solidFill>
-                <a:latin typeface="Courier New" panose="02070309020205020404" pitchFamily="49" charset="0"/>
-                <a:cs typeface="Courier New" panose="02070309020205020404" pitchFamily="49" charset="0"/>
-              </a:rPr>
-              <a:t>(), </a:t>
-            </a:r>
-            <a:r>
-              <a:rPr lang="en-GB" sz="2000" dirty="0" err="1">
-                <a:solidFill>
-                  <a:srgbClr val="0070C0"/>
-                </a:solidFill>
-                <a:latin typeface="Courier New" panose="02070309020205020404" pitchFamily="49" charset="0"/>
-                <a:cs typeface="Courier New" panose="02070309020205020404" pitchFamily="49" charset="0"/>
-              </a:rPr>
-              <a:t>saveRDS</a:t>
-            </a:r>
-            <a:r>
-              <a:rPr lang="en-GB" sz="2000" dirty="0">
-                <a:solidFill>
-                  <a:srgbClr val="0070C0"/>
-                </a:solidFill>
-                <a:latin typeface="Courier New" panose="02070309020205020404" pitchFamily="49" charset="0"/>
-                <a:cs typeface="Courier New" panose="02070309020205020404" pitchFamily="49" charset="0"/>
-              </a:rPr>
-              <a:t>()</a:t>
-            </a:r>
-            <a:r>
-              <a:rPr lang="en-GB" sz="2000" dirty="0">
-                <a:latin typeface="Courier New" panose="02070309020205020404" pitchFamily="49" charset="0"/>
-                <a:cs typeface="Courier New" panose="02070309020205020404" pitchFamily="49" charset="0"/>
-              </a:rPr>
-              <a:t>,…</a:t>
-            </a:r>
-          </a:p>
-        </p:txBody>
-      </p:sp>
-    </p:spTree>
-    <p:extLst>
-      <p:ext uri="{BB962C8B-B14F-4D97-AF65-F5344CB8AC3E}">
-        <p14:creationId xmlns:p14="http://schemas.microsoft.com/office/powerpoint/2010/main" val="4012081693"/>
-      </p:ext>
-    </p:extLst>
-  </p:cSld>
-  <p:clrMapOvr>
-    <a:masterClrMapping/>
-  </p:clrMapOvr>
-</p:sld>
-</file>
-
-<file path=ppt/slides/slide17.xml><?xml version="1.0" encoding="utf-8"?>
-<p:sld xmlns:a="http://schemas.openxmlformats.org/drawingml/2006/main" xmlns:r="http://schemas.openxmlformats.org/officeDocument/2006/relationships" xmlns:p="http://schemas.openxmlformats.org/presentationml/2006/main">
-  <p:cSld>
-    <p:spTree>
-      <p:nvGrpSpPr>
-        <p:cNvPr id="1" name=""/>
-        <p:cNvGrpSpPr/>
-        <p:nvPr/>
-      </p:nvGrpSpPr>
-      <p:grpSpPr>
-        <a:xfrm>
-          <a:off x="0" y="0"/>
-          <a:ext cx="0" cy="0"/>
-          <a:chOff x="0" y="0"/>
-          <a:chExt cx="0" cy="0"/>
-        </a:xfrm>
-      </p:grpSpPr>
-      <p:sp>
-        <p:nvSpPr>
-          <p:cNvPr id="2" name="Title 1">
-            <a:extLst>
-              <a:ext uri="{FF2B5EF4-FFF2-40B4-BE49-F238E27FC236}">
-                <a16:creationId xmlns:a16="http://schemas.microsoft.com/office/drawing/2014/main" id="{6A95CFA7-CDCA-4BB4-B84F-61C142A782CB}"/>
-              </a:ext>
-            </a:extLst>
-          </p:cNvPr>
-          <p:cNvSpPr>
-            <a:spLocks noGrp="1"/>
-          </p:cNvSpPr>
-          <p:nvPr>
-            <p:ph type="title"/>
-          </p:nvPr>
-        </p:nvSpPr>
-        <p:spPr/>
-        <p:txBody>
-          <a:bodyPr/>
-          <a:lstStyle/>
-          <a:p>
-            <a:r>
-              <a:rPr lang="en-GB" dirty="0"/>
-              <a:t>Inspecting data structure</a:t>
-            </a:r>
-          </a:p>
-        </p:txBody>
-      </p:sp>
-      <p:sp>
-        <p:nvSpPr>
-          <p:cNvPr id="3" name="Content Placeholder 2">
-            <a:extLst>
-              <a:ext uri="{FF2B5EF4-FFF2-40B4-BE49-F238E27FC236}">
-                <a16:creationId xmlns:a16="http://schemas.microsoft.com/office/drawing/2014/main" id="{5DB7EC33-FCB6-4822-B987-741C8B3C0F08}"/>
-              </a:ext>
-            </a:extLst>
-          </p:cNvPr>
-          <p:cNvSpPr>
-            <a:spLocks noGrp="1"/>
-          </p:cNvSpPr>
-          <p:nvPr>
-            <p:ph idx="1"/>
-          </p:nvPr>
-        </p:nvSpPr>
-        <p:spPr/>
-        <p:txBody>
-          <a:bodyPr/>
-          <a:lstStyle/>
-          <a:p>
-            <a:r>
-              <a:rPr lang="en-GB" dirty="0"/>
-              <a:t>Once data is read-in there are several way to view and interrogate them</a:t>
-            </a:r>
-          </a:p>
-          <a:p>
-            <a:endParaRPr lang="en-GB" dirty="0"/>
-          </a:p>
-          <a:p>
-            <a:r>
-              <a:rPr lang="en-GB" dirty="0"/>
-              <a:t>The most simple is to type the name of the variable</a:t>
-            </a:r>
-          </a:p>
-          <a:p>
-            <a:r>
-              <a:rPr lang="en-GB" dirty="0"/>
-              <a:t>Can you see any problems with this?</a:t>
-            </a:r>
-          </a:p>
-        </p:txBody>
-      </p:sp>
-    </p:spTree>
-    <p:extLst>
-      <p:ext uri="{BB962C8B-B14F-4D97-AF65-F5344CB8AC3E}">
-        <p14:creationId xmlns:p14="http://schemas.microsoft.com/office/powerpoint/2010/main" val="949852850"/>
-      </p:ext>
-    </p:extLst>
-  </p:cSld>
-  <p:clrMapOvr>
-    <a:masterClrMapping/>
-  </p:clrMapOvr>
-</p:sld>
-</file>
-
-<file path=ppt/slides/slide18.xml><?xml version="1.0" encoding="utf-8"?>
-<p:sld xmlns:a="http://schemas.openxmlformats.org/drawingml/2006/main" xmlns:r="http://schemas.openxmlformats.org/officeDocument/2006/relationships" xmlns:p="http://schemas.openxmlformats.org/presentationml/2006/main">
-  <p:cSld>
-    <p:spTree>
-      <p:nvGrpSpPr>
-        <p:cNvPr id="1" name=""/>
-        <p:cNvGrpSpPr/>
-        <p:nvPr/>
-      </p:nvGrpSpPr>
-      <p:grpSpPr>
-        <a:xfrm>
-          <a:off x="0" y="0"/>
-          <a:ext cx="0" cy="0"/>
-          <a:chOff x="0" y="0"/>
-          <a:chExt cx="0" cy="0"/>
-        </a:xfrm>
-      </p:grpSpPr>
-      <p:sp>
-        <p:nvSpPr>
-          <p:cNvPr id="2" name="Title 1">
-            <a:extLst>
-              <a:ext uri="{FF2B5EF4-FFF2-40B4-BE49-F238E27FC236}">
                 <a16:creationId xmlns:a16="http://schemas.microsoft.com/office/drawing/2014/main" id="{4121499E-9AF1-44F8-B010-A6D50BF88DFF}"/>
               </a:ext>
             </a:extLst>
@@ -5276,7 +4992,7 @@
 </p:sld>
 </file>
 
-<file path=ppt/slides/slide19.xml><?xml version="1.0" encoding="utf-8"?>
+<file path=ppt/slides/slide17.xml><?xml version="1.0" encoding="utf-8"?>
 <p:sld xmlns:a="http://schemas.openxmlformats.org/drawingml/2006/main" xmlns:r="http://schemas.openxmlformats.org/officeDocument/2006/relationships" xmlns:p="http://schemas.openxmlformats.org/presentationml/2006/main">
   <p:cSld>
     <p:spTree>
@@ -5407,146 +5123,7 @@
 </p:sld>
 </file>
 
-<file path=ppt/slides/slide2.xml><?xml version="1.0" encoding="utf-8"?>
-<p:sld xmlns:a="http://schemas.openxmlformats.org/drawingml/2006/main" xmlns:r="http://schemas.openxmlformats.org/officeDocument/2006/relationships" xmlns:p="http://schemas.openxmlformats.org/presentationml/2006/main">
-  <p:cSld>
-    <p:spTree>
-      <p:nvGrpSpPr>
-        <p:cNvPr id="1" name=""/>
-        <p:cNvGrpSpPr/>
-        <p:nvPr/>
-      </p:nvGrpSpPr>
-      <p:grpSpPr>
-        <a:xfrm>
-          <a:off x="0" y="0"/>
-          <a:ext cx="0" cy="0"/>
-          <a:chOff x="0" y="0"/>
-          <a:chExt cx="0" cy="0"/>
-        </a:xfrm>
-      </p:grpSpPr>
-      <p:sp>
-        <p:nvSpPr>
-          <p:cNvPr id="2" name="Title 1">
-            <a:extLst>
-              <a:ext uri="{FF2B5EF4-FFF2-40B4-BE49-F238E27FC236}">
-                <a16:creationId xmlns:a16="http://schemas.microsoft.com/office/drawing/2014/main" id="{E8BEC356-E0AE-4FAB-A0BB-267C9F618AA7}"/>
-              </a:ext>
-            </a:extLst>
-          </p:cNvPr>
-          <p:cNvSpPr>
-            <a:spLocks noGrp="1"/>
-          </p:cNvSpPr>
-          <p:nvPr>
-            <p:ph type="title"/>
-          </p:nvPr>
-        </p:nvSpPr>
-        <p:spPr/>
-        <p:txBody>
-          <a:bodyPr/>
-          <a:lstStyle/>
-          <a:p>
-            <a:endParaRPr lang="en-GB"/>
-          </a:p>
-        </p:txBody>
-      </p:sp>
-      <p:sp>
-        <p:nvSpPr>
-          <p:cNvPr id="3" name="Content Placeholder 2">
-            <a:extLst>
-              <a:ext uri="{FF2B5EF4-FFF2-40B4-BE49-F238E27FC236}">
-                <a16:creationId xmlns:a16="http://schemas.microsoft.com/office/drawing/2014/main" id="{8983D7E2-F717-437F-A687-2238594EAB29}"/>
-              </a:ext>
-            </a:extLst>
-          </p:cNvPr>
-          <p:cNvSpPr>
-            <a:spLocks noGrp="1"/>
-          </p:cNvSpPr>
-          <p:nvPr>
-            <p:ph idx="1"/>
-          </p:nvPr>
-        </p:nvSpPr>
-        <p:spPr/>
-        <p:txBody>
-          <a:bodyPr/>
-          <a:lstStyle/>
-          <a:p>
-            <a:r>
-              <a:rPr lang="en-GB" dirty="0"/>
-              <a:t>R can read and write data from a multitude of different sources</a:t>
-            </a:r>
-          </a:p>
-          <a:p>
-            <a:pPr lvl="1"/>
-            <a:r>
-              <a:rPr lang="en-GB" dirty="0"/>
-              <a:t>Text (csv, </a:t>
-            </a:r>
-            <a:r>
-              <a:rPr lang="en-GB" dirty="0" err="1"/>
-              <a:t>tsv</a:t>
-            </a:r>
-            <a:r>
-              <a:rPr lang="en-GB" dirty="0"/>
-              <a:t>, …)</a:t>
-            </a:r>
-          </a:p>
-          <a:p>
-            <a:pPr lvl="1"/>
-            <a:r>
-              <a:rPr lang="en-GB" dirty="0"/>
-              <a:t>Stata</a:t>
-            </a:r>
-          </a:p>
-          <a:p>
-            <a:pPr lvl="1"/>
-            <a:r>
-              <a:rPr lang="en-GB" dirty="0"/>
-              <a:t>SPSS</a:t>
-            </a:r>
-          </a:p>
-          <a:p>
-            <a:pPr lvl="1"/>
-            <a:r>
-              <a:rPr lang="en-GB" dirty="0"/>
-              <a:t>SAS</a:t>
-            </a:r>
-          </a:p>
-          <a:p>
-            <a:pPr lvl="1"/>
-            <a:r>
-              <a:rPr lang="en-GB" dirty="0"/>
-              <a:t>Excel</a:t>
-            </a:r>
-          </a:p>
-          <a:p>
-            <a:pPr lvl="1"/>
-            <a:r>
-              <a:rPr lang="en-GB" dirty="0"/>
-              <a:t>…</a:t>
-            </a:r>
-          </a:p>
-          <a:p>
-            <a:r>
-              <a:rPr lang="en-GB" dirty="0"/>
-              <a:t>And using lots of different packages and functions</a:t>
-            </a:r>
-          </a:p>
-        </p:txBody>
-      </p:sp>
-    </p:spTree>
-    <p:extLst>
-      <p:ext uri="{BB962C8B-B14F-4D97-AF65-F5344CB8AC3E}">
-        <p14:creationId xmlns:p14="http://schemas.microsoft.com/office/powerpoint/2010/main" val="2381979442"/>
-      </p:ext>
-    </p:extLst>
-  </p:cSld>
-  <p:clrMapOvr>
-    <a:masterClrMapping/>
-  </p:clrMapOvr>
-</p:sld>
-</file>
-
-<file path=ppt/slides/slide20.xml><?xml version="1.0" encoding="utf-8"?>
+<file path=ppt/slides/slide18.xml><?xml version="1.0" encoding="utf-8"?>
 <p:sld xmlns:a="http://schemas.openxmlformats.org/drawingml/2006/main" xmlns:r="http://schemas.openxmlformats.org/officeDocument/2006/relationships" xmlns:p="http://schemas.openxmlformats.org/presentationml/2006/main">
   <p:cSld>
     <p:spTree>
@@ -5659,7 +5236,7 @@
 </p:sld>
 </file>
 
-<file path=ppt/slides/slide21.xml><?xml version="1.0" encoding="utf-8"?>
+<file path=ppt/slides/slide19.xml><?xml version="1.0" encoding="utf-8"?>
 <p:sld xmlns:a="http://schemas.openxmlformats.org/drawingml/2006/main" xmlns:r="http://schemas.openxmlformats.org/officeDocument/2006/relationships" xmlns:p="http://schemas.openxmlformats.org/presentationml/2006/main">
   <p:cSld>
     <p:spTree>
@@ -5781,7 +5358,7 @@
 </p:sld>
 </file>
 
-<file path=ppt/slides/slide22.xml><?xml version="1.0" encoding="utf-8"?>
+<file path=ppt/slides/slide2.xml><?xml version="1.0" encoding="utf-8"?>
 <p:sld xmlns:a="http://schemas.openxmlformats.org/drawingml/2006/main" xmlns:r="http://schemas.openxmlformats.org/officeDocument/2006/relationships" xmlns:p="http://schemas.openxmlformats.org/presentationml/2006/main">
   <p:cSld>
     <p:spTree>
@@ -5803,6 +5380,145 @@
           <p:cNvPr id="2" name="Title 1">
             <a:extLst>
               <a:ext uri="{FF2B5EF4-FFF2-40B4-BE49-F238E27FC236}">
+                <a16:creationId xmlns:a16="http://schemas.microsoft.com/office/drawing/2014/main" id="{E8BEC356-E0AE-4FAB-A0BB-267C9F618AA7}"/>
+              </a:ext>
+            </a:extLst>
+          </p:cNvPr>
+          <p:cNvSpPr>
+            <a:spLocks noGrp="1"/>
+          </p:cNvSpPr>
+          <p:nvPr>
+            <p:ph type="title"/>
+          </p:nvPr>
+        </p:nvSpPr>
+        <p:spPr/>
+        <p:txBody>
+          <a:bodyPr/>
+          <a:lstStyle/>
+          <a:p>
+            <a:endParaRPr lang="en-GB"/>
+          </a:p>
+        </p:txBody>
+      </p:sp>
+      <p:sp>
+        <p:nvSpPr>
+          <p:cNvPr id="3" name="Content Placeholder 2">
+            <a:extLst>
+              <a:ext uri="{FF2B5EF4-FFF2-40B4-BE49-F238E27FC236}">
+                <a16:creationId xmlns:a16="http://schemas.microsoft.com/office/drawing/2014/main" id="{8983D7E2-F717-437F-A687-2238594EAB29}"/>
+              </a:ext>
+            </a:extLst>
+          </p:cNvPr>
+          <p:cNvSpPr>
+            <a:spLocks noGrp="1"/>
+          </p:cNvSpPr>
+          <p:nvPr>
+            <p:ph idx="1"/>
+          </p:nvPr>
+        </p:nvSpPr>
+        <p:spPr/>
+        <p:txBody>
+          <a:bodyPr/>
+          <a:lstStyle/>
+          <a:p>
+            <a:r>
+              <a:rPr lang="en-GB" dirty="0"/>
+              <a:t>R can read and write data from a multitude of different sources</a:t>
+            </a:r>
+          </a:p>
+          <a:p>
+            <a:pPr lvl="1"/>
+            <a:r>
+              <a:rPr lang="en-GB" dirty="0"/>
+              <a:t>Text (csv, </a:t>
+            </a:r>
+            <a:r>
+              <a:rPr lang="en-GB" dirty="0" err="1"/>
+              <a:t>tsv</a:t>
+            </a:r>
+            <a:r>
+              <a:rPr lang="en-GB" dirty="0"/>
+              <a:t>, …)</a:t>
+            </a:r>
+          </a:p>
+          <a:p>
+            <a:pPr lvl="1"/>
+            <a:r>
+              <a:rPr lang="en-GB" dirty="0"/>
+              <a:t>Stata</a:t>
+            </a:r>
+          </a:p>
+          <a:p>
+            <a:pPr lvl="1"/>
+            <a:r>
+              <a:rPr lang="en-GB" dirty="0"/>
+              <a:t>SPSS</a:t>
+            </a:r>
+          </a:p>
+          <a:p>
+            <a:pPr lvl="1"/>
+            <a:r>
+              <a:rPr lang="en-GB" dirty="0"/>
+              <a:t>SAS</a:t>
+            </a:r>
+          </a:p>
+          <a:p>
+            <a:pPr lvl="1"/>
+            <a:r>
+              <a:rPr lang="en-GB" dirty="0"/>
+              <a:t>Excel</a:t>
+            </a:r>
+          </a:p>
+          <a:p>
+            <a:pPr lvl="1"/>
+            <a:r>
+              <a:rPr lang="en-GB" dirty="0"/>
+              <a:t>…</a:t>
+            </a:r>
+          </a:p>
+          <a:p>
+            <a:r>
+              <a:rPr lang="en-GB" dirty="0"/>
+              <a:t>And using lots of different packages and functions</a:t>
+            </a:r>
+          </a:p>
+        </p:txBody>
+      </p:sp>
+    </p:spTree>
+    <p:extLst>
+      <p:ext uri="{BB962C8B-B14F-4D97-AF65-F5344CB8AC3E}">
+        <p14:creationId xmlns:p14="http://schemas.microsoft.com/office/powerpoint/2010/main" val="2381979442"/>
+      </p:ext>
+    </p:extLst>
+  </p:cSld>
+  <p:clrMapOvr>
+    <a:masterClrMapping/>
+  </p:clrMapOvr>
+</p:sld>
+</file>
+
+<file path=ppt/slides/slide20.xml><?xml version="1.0" encoding="utf-8"?>
+<p:sld xmlns:a="http://schemas.openxmlformats.org/drawingml/2006/main" xmlns:r="http://schemas.openxmlformats.org/officeDocument/2006/relationships" xmlns:p="http://schemas.openxmlformats.org/presentationml/2006/main">
+  <p:cSld>
+    <p:spTree>
+      <p:nvGrpSpPr>
+        <p:cNvPr id="1" name=""/>
+        <p:cNvGrpSpPr/>
+        <p:nvPr/>
+      </p:nvGrpSpPr>
+      <p:grpSpPr>
+        <a:xfrm>
+          <a:off x="0" y="0"/>
+          <a:ext cx="0" cy="0"/>
+          <a:chOff x="0" y="0"/>
+          <a:chExt cx="0" cy="0"/>
+        </a:xfrm>
+      </p:grpSpPr>
+      <p:sp>
+        <p:nvSpPr>
+          <p:cNvPr id="2" name="Title 1">
+            <a:extLst>
+              <a:ext uri="{FF2B5EF4-FFF2-40B4-BE49-F238E27FC236}">
                 <a16:creationId xmlns:a16="http://schemas.microsoft.com/office/drawing/2014/main" id="{7706C70E-5276-41C0-9157-9029D73C242D}"/>
               </a:ext>
             </a:extLst>
@@ -6006,7 +5722,7 @@
 </p:sld>
 </file>
 
-<file path=ppt/slides/slide23.xml><?xml version="1.0" encoding="utf-8"?>
+<file path=ppt/slides/slide21.xml><?xml version="1.0" encoding="utf-8"?>
 <p:sld xmlns:a="http://schemas.openxmlformats.org/drawingml/2006/main" xmlns:r="http://schemas.openxmlformats.org/officeDocument/2006/relationships" xmlns:p="http://schemas.openxmlformats.org/presentationml/2006/main">
   <p:cSld>
     <p:spTree>
